--- a/P_03_SimulationNumerique/03_ResolutionEquaDiff/P_03_03_ResolutionEquaDiff_Fiche_PPT.pptx
+++ b/P_03_SimulationNumerique/03_ResolutionEquaDiff/P_03_03_ResolutionEquaDiff_Fiche_PPT.pptx
@@ -222,7 +222,7 @@
             <a:fld id="{E494A05E-DEA9-4CEA-A63B-3593EEF3AC45}" type="datetimeFigureOut">
               <a:rPr lang="fr-FR" smtClean="0"/>
               <a:pPr/>
-              <a:t>18/01/2016</a:t>
+              <a:t>19/01/2016</a:t>
             </a:fld>
             <a:endParaRPr lang="fr-FR"/>
           </a:p>
@@ -811,7 +811,7 @@
           <a:p>
             <a:fld id="{293D9F9A-E96E-4924-B007-5E1D042E0161}" type="datetime1">
               <a:rPr lang="fr-FR" smtClean="0"/>
-              <a:t>18/01/2016</a:t>
+              <a:t>19/01/2016</a:t>
             </a:fld>
             <a:endParaRPr lang="fr-FR"/>
           </a:p>
@@ -1182,7 +1182,7 @@
           <a:p>
             <a:fld id="{350535F5-9055-4584-BC6C-D21D0510D942}" type="datetime1">
               <a:rPr lang="fr-FR" smtClean="0"/>
-              <a:t>18/01/2016</a:t>
+              <a:t>19/01/2016</a:t>
             </a:fld>
             <a:endParaRPr lang="fr-FR"/>
           </a:p>
@@ -1362,7 +1362,7 @@
           <a:p>
             <a:fld id="{E6E1DA6F-65C6-4CCD-BFA0-59EC0764B261}" type="datetime1">
               <a:rPr lang="fr-FR" smtClean="0"/>
-              <a:t>18/01/2016</a:t>
+              <a:t>19/01/2016</a:t>
             </a:fld>
             <a:endParaRPr lang="fr-FR"/>
           </a:p>
@@ -1613,7 +1613,7 @@
           <a:p>
             <a:fld id="{0AC86CB2-AC18-43F0-821E-8785F8A9C9C5}" type="datetime1">
               <a:rPr lang="fr-FR" smtClean="0"/>
-              <a:t>18/01/2016</a:t>
+              <a:t>19/01/2016</a:t>
             </a:fld>
             <a:endParaRPr lang="fr-FR"/>
           </a:p>
@@ -1940,7 +1940,7 @@
           <a:p>
             <a:fld id="{DD0263FA-7332-4656-A0D8-70E266A8B4CA}" type="datetime1">
               <a:rPr lang="fr-FR" smtClean="0"/>
-              <a:t>18/01/2016</a:t>
+              <a:t>19/01/2016</a:t>
             </a:fld>
             <a:endParaRPr lang="fr-FR"/>
           </a:p>
@@ -2165,7 +2165,7 @@
           <a:p>
             <a:fld id="{560EB159-C2AC-4351-9286-87BEB3CD06E7}" type="datetime1">
               <a:rPr lang="fr-FR" smtClean="0"/>
-              <a:t>18/01/2016</a:t>
+              <a:t>19/01/2016</a:t>
             </a:fld>
             <a:endParaRPr lang="fr-FR"/>
           </a:p>
@@ -2522,7 +2522,7 @@
           <a:p>
             <a:fld id="{F50DBAEB-AB05-4F8E-A44B-8C0422BD0685}" type="datetime1">
               <a:rPr lang="fr-FR" smtClean="0"/>
-              <a:t>18/01/2016</a:t>
+              <a:t>19/01/2016</a:t>
             </a:fld>
             <a:endParaRPr lang="fr-FR"/>
           </a:p>
@@ -2759,7 +2759,7 @@
           <a:p>
             <a:fld id="{7FE4F9CF-1FB7-461D-9A0E-82305E04F0E2}" type="datetime1">
               <a:rPr lang="fr-FR" smtClean="0"/>
-              <a:t>18/01/2016</a:t>
+              <a:t>19/01/2016</a:t>
             </a:fld>
             <a:endParaRPr lang="fr-FR"/>
           </a:p>
@@ -2904,7 +2904,7 @@
           <a:p>
             <a:fld id="{03EA4BD7-6A40-41FE-8FD5-BB2896DD17B6}" type="datetime1">
               <a:rPr lang="fr-FR" smtClean="0"/>
-              <a:t>18/01/2016</a:t>
+              <a:t>19/01/2016</a:t>
             </a:fld>
             <a:endParaRPr lang="fr-FR"/>
           </a:p>
@@ -3186,7 +3186,7 @@
           <a:p>
             <a:fld id="{1AC4B5B7-AB48-4630-B6A6-3EDB0D8736F8}" type="datetime1">
               <a:rPr lang="fr-FR" smtClean="0"/>
-              <a:t>18/01/2016</a:t>
+              <a:t>19/01/2016</a:t>
             </a:fld>
             <a:endParaRPr lang="fr-FR"/>
           </a:p>
@@ -3598,7 +3598,7 @@
           <a:p>
             <a:fld id="{F712A2EC-269A-49AD-B741-DD7E2FE482FF}" type="datetime1">
               <a:rPr lang="fr-FR" smtClean="0"/>
-              <a:t>18/01/2016</a:t>
+              <a:t>19/01/2016</a:t>
             </a:fld>
             <a:endParaRPr lang="fr-FR"/>
           </a:p>
@@ -3941,7 +3941,7 @@
           <a:p>
             <a:fld id="{6A5A9204-5914-49C5-AB8C-F4F4741D4B57}" type="datetime1">
               <a:rPr lang="fr-FR" smtClean="0"/>
-              <a:t>18/01/2016</a:t>
+              <a:t>19/01/2016</a:t>
             </a:fld>
             <a:endParaRPr lang="fr-FR"/>
           </a:p>
@@ -4833,47 +4833,6 @@
           </p:sp>
         </mc:Fallback>
       </mc:AlternateContent>
-      <p:pic>
-        <p:nvPicPr>
-          <p:cNvPr id="1027" name="Picture 3" descr="C:\Enseignement\GitHub\Informatique\P_05_AlgorithmiqueProgrammation\01_Recursivite\Cours\images\mandel.jpg"/>
-          <p:cNvPicPr>
-            <a:picLocks noChangeAspect="1" noChangeArrowheads="1"/>
-          </p:cNvPicPr>
-          <p:nvPr/>
-        </p:nvPicPr>
-        <p:blipFill>
-          <a:blip r:embed="rId4" cstate="print">
-            <a:extLst>
-              <a:ext uri="{28A0092B-C50C-407E-A947-70E740481C1C}">
-                <a14:useLocalDpi xmlns:a14="http://schemas.microsoft.com/office/drawing/2010/main" val="0"/>
-              </a:ext>
-            </a:extLst>
-          </a:blip>
-          <a:srcRect/>
-          <a:stretch>
-            <a:fillRect/>
-          </a:stretch>
-        </p:blipFill>
-        <p:spPr bwMode="auto">
-          <a:xfrm>
-            <a:off x="1403648" y="3284984"/>
-            <a:ext cx="1951038" cy="1463675"/>
-          </a:xfrm>
-          <a:prstGeom prst="rect">
-            <a:avLst/>
-          </a:prstGeom>
-          <a:noFill/>
-          <a:extLst>
-            <a:ext uri="{909E8E84-426E-40DD-AFC4-6F175D3DCCD1}">
-              <a14:hiddenFill xmlns:a14="http://schemas.microsoft.com/office/drawing/2010/main">
-                <a:solidFill>
-                  <a:srgbClr val="FFFFFF"/>
-                </a:solidFill>
-              </a14:hiddenFill>
-            </a:ext>
-          </a:extLst>
-        </p:spPr>
-      </p:pic>
     </p:spTree>
   </p:cSld>
   <p:clrMapOvr>
@@ -4976,8 +4935,8 @@
           </a:p>
         </p:txBody>
       </p:sp>
-      <mc:AlternateContent xmlns:mc="http://schemas.openxmlformats.org/markup-compatibility/2006">
-        <mc:Choice xmlns:a14="http://schemas.microsoft.com/office/drawing/2010/main" Requires="a14">
+      <mc:AlternateContent xmlns:mc="http://schemas.openxmlformats.org/markup-compatibility/2006" xmlns:a14="http://schemas.microsoft.com/office/drawing/2010/main">
+        <mc:Choice Requires="a14">
           <p:sp>
             <p:nvSpPr>
               <p:cNvPr id="5" name="Espace réservé du contenu 4"/>
@@ -5188,7 +5147,7 @@
             </p:txBody>
           </p:sp>
         </mc:Choice>
-        <mc:Fallback>
+        <mc:Fallback xmlns="">
           <p:sp>
             <p:nvSpPr>
               <p:cNvPr id="5" name="Espace réservé du contenu 4"/>
@@ -5329,8 +5288,8 @@
           </a:p>
         </p:txBody>
       </p:sp>
-      <mc:AlternateContent xmlns:mc="http://schemas.openxmlformats.org/markup-compatibility/2006">
-        <mc:Choice xmlns:a14="http://schemas.microsoft.com/office/drawing/2010/main" Requires="a14">
+      <mc:AlternateContent xmlns:mc="http://schemas.openxmlformats.org/markup-compatibility/2006" xmlns:a14="http://schemas.microsoft.com/office/drawing/2010/main">
+        <mc:Choice Requires="a14">
           <p:sp>
             <p:nvSpPr>
               <p:cNvPr id="8" name="Espace réservé du contenu 7"/>
@@ -6110,11 +6069,7 @@
                 <a:pPr lvl="1"/>
                 <a:r>
                   <a:rPr lang="fr-FR" dirty="0"/>
-                  <a:t>E</a:t>
-                </a:r>
-                <a:r>
-                  <a:rPr lang="fr-FR" dirty="0"/>
-                  <a:t>n conséquence en utilisant le schéma d’Euler explicite : </a:t>
+                  <a:t>En conséquence en utilisant le schéma d’Euler explicite : </a:t>
                 </a:r>
                 <a14:m>
                   <m:oMath xmlns:m="http://schemas.openxmlformats.org/officeDocument/2006/math">
@@ -6401,13 +6356,7 @@
                                         <a:rPr lang="fr-FR" i="1">
                                           <a:latin typeface="Cambria Math"/>
                                         </a:rPr>
-                                        <m:t>1</m:t>
-                                      </m:r>
-                                      <m:r>
-                                        <a:rPr lang="fr-FR" i="1">
-                                          <a:latin typeface="Cambria Math"/>
-                                        </a:rPr>
-                                        <m:t>,</m:t>
+                                        <m:t>1,</m:t>
                                       </m:r>
                                       <m:r>
                                         <a:rPr lang="fr-FR" i="1">
@@ -7142,13 +7091,7 @@
                                     <a:rPr lang="fr-FR" i="1" dirty="0">
                                       <a:latin typeface="Cambria Math"/>
                                     </a:rPr>
-                                    <m:t>1</m:t>
-                                  </m:r>
-                                  <m:r>
-                                    <a:rPr lang="fr-FR" i="1" dirty="0">
-                                      <a:latin typeface="Cambria Math"/>
-                                    </a:rPr>
-                                    <m:t>,</m:t>
+                                    <m:t>1,</m:t>
                                   </m:r>
                                   <m:r>
                                     <a:rPr lang="fr-FR" i="1" dirty="0">
@@ -7219,7 +7162,7 @@
             </p:txBody>
           </p:sp>
         </mc:Choice>
-        <mc:Fallback>
+        <mc:Fallback xmlns="">
           <p:sp>
             <p:nvSpPr>
               <p:cNvPr id="8" name="Espace réservé du contenu 7"/>
@@ -7885,8 +7828,8 @@
           </a:p>
         </p:txBody>
       </p:sp>
-      <mc:AlternateContent xmlns:mc="http://schemas.openxmlformats.org/markup-compatibility/2006">
-        <mc:Choice xmlns:a14="http://schemas.microsoft.com/office/drawing/2010/main" Requires="a14">
+      <mc:AlternateContent xmlns:mc="http://schemas.openxmlformats.org/markup-compatibility/2006" xmlns:a14="http://schemas.microsoft.com/office/drawing/2010/main">
+        <mc:Choice Requires="a14">
           <p:sp>
             <p:nvSpPr>
               <p:cNvPr id="8" name="Espace réservé du contenu 7"/>
@@ -8204,13 +8147,7 @@
                                         <a:rPr lang="fr-FR" i="1">
                                           <a:latin typeface="Cambria Math"/>
                                         </a:rPr>
-                                        <m:t>1</m:t>
-                                      </m:r>
-                                      <m:r>
-                                        <a:rPr lang="fr-FR" i="1">
-                                          <a:latin typeface="Cambria Math"/>
-                                        </a:rPr>
-                                        <m:t>,</m:t>
+                                        <m:t>1,</m:t>
                                       </m:r>
                                       <m:r>
                                         <a:rPr lang="fr-FR" i="1">
@@ -8617,13 +8554,7 @@
                                         <a:rPr lang="fr-FR" i="1">
                                           <a:latin typeface="Cambria Math"/>
                                         </a:rPr>
-                                        <m:t>0</m:t>
-                                      </m:r>
-                                      <m:r>
-                                        <a:rPr lang="fr-FR" i="1">
-                                          <a:latin typeface="Cambria Math"/>
-                                        </a:rPr>
-                                        <m:t>,</m:t>
+                                        <m:t>0,</m:t>
                                       </m:r>
                                       <m:r>
                                         <a:rPr lang="fr-FR" i="1">
@@ -8927,13 +8858,7 @@
                                     <a:rPr lang="fr-FR" i="1" dirty="0">
                                       <a:latin typeface="Cambria Math"/>
                                     </a:rPr>
-                                    <m:t>1</m:t>
-                                  </m:r>
-                                  <m:r>
-                                    <a:rPr lang="fr-FR" i="1" dirty="0">
-                                      <a:latin typeface="Cambria Math"/>
-                                    </a:rPr>
-                                    <m:t>,</m:t>
+                                    <m:t>1,</m:t>
                                   </m:r>
                                   <m:r>
                                     <a:rPr lang="fr-FR" i="1" dirty="0">
@@ -9073,13 +8998,7 @@
                                 <a:rPr lang="fr-FR" i="1">
                                   <a:latin typeface="Cambria Math"/>
                                 </a:rPr>
-                                <m:t>=</m:t>
-                              </m:r>
-                              <m:r>
-                                <a:rPr lang="fr-FR" i="1">
-                                  <a:latin typeface="Cambria Math"/>
-                                </a:rPr>
-                                <m:t>−</m:t>
+                                <m:t>=−</m:t>
                               </m:r>
                               <m:sSubSup>
                                 <m:sSubSupPr>
@@ -9312,13 +9231,7 @@
                                     <a:rPr lang="fr-FR" i="1">
                                       <a:latin typeface="Cambria Math"/>
                                     </a:rPr>
-                                    <m:t>0</m:t>
-                                  </m:r>
-                                  <m:r>
-                                    <a:rPr lang="fr-FR" i="1">
-                                      <a:latin typeface="Cambria Math"/>
-                                    </a:rPr>
-                                    <m:t>,</m:t>
+                                    <m:t>0,</m:t>
                                   </m:r>
                                   <m:r>
                                     <a:rPr lang="fr-FR" i="1">
@@ -9544,7 +9457,7 @@
             </p:txBody>
           </p:sp>
         </mc:Choice>
-        <mc:Fallback>
+        <mc:Fallback xmlns="">
           <p:sp>
             <p:nvSpPr>
               <p:cNvPr id="8" name="Espace réservé du contenu 7"/>
@@ -9865,8 +9778,8 @@
           </a:p>
         </p:txBody>
       </p:sp>
-      <mc:AlternateContent xmlns:mc="http://schemas.openxmlformats.org/markup-compatibility/2006">
-        <mc:Choice xmlns:a14="http://schemas.microsoft.com/office/drawing/2010/main" Requires="a14">
+      <mc:AlternateContent xmlns:mc="http://schemas.openxmlformats.org/markup-compatibility/2006" xmlns:a14="http://schemas.microsoft.com/office/drawing/2010/main">
+        <mc:Choice Requires="a14">
           <p:sp>
             <p:nvSpPr>
               <p:cNvPr id="5" name="Espace réservé du contenu 4"/>
@@ -11000,7 +10913,7 @@
             </p:txBody>
           </p:sp>
         </mc:Choice>
-        <mc:Fallback>
+        <mc:Fallback xmlns="">
           <p:sp>
             <p:nvSpPr>
               <p:cNvPr id="5" name="Espace réservé du contenu 4"/>
@@ -11134,8 +11047,8 @@
           </a:p>
         </p:txBody>
       </p:sp>
-      <mc:AlternateContent xmlns:mc="http://schemas.openxmlformats.org/markup-compatibility/2006">
-        <mc:Choice xmlns:a14="http://schemas.microsoft.com/office/drawing/2010/main" Requires="a14">
+      <mc:AlternateContent xmlns:mc="http://schemas.openxmlformats.org/markup-compatibility/2006" xmlns:a14="http://schemas.microsoft.com/office/drawing/2010/main">
+        <mc:Choice Requires="a14">
           <p:sp>
             <p:nvSpPr>
               <p:cNvPr id="5" name="Espace réservé du contenu 4"/>
@@ -13637,7 +13550,7 @@
             </p:txBody>
           </p:sp>
         </mc:Choice>
-        <mc:Fallback>
+        <mc:Fallback xmlns="">
           <p:sp>
             <p:nvSpPr>
               <p:cNvPr id="5" name="Espace réservé du contenu 4"/>
